--- a/prism/Epilepsy-control figures slow nov 18 af.pptx
+++ b/prism/Epilepsy-control figures slow nov 18 af.pptx
@@ -220,7 +220,7 @@
           <a:p>
             <a:fld id="{059E68AF-D436-45B7-9D7B-7D787C1C2BA6}" type="datetimeFigureOut">
               <a:rPr lang="en-US" smtClean="0"/>
-              <a:t>1/11/2024</a:t>
+              <a:t>1/29/2024</a:t>
             </a:fld>
             <a:endParaRPr lang="en-US"/>
           </a:p>
@@ -1340,7 +1340,7 @@
           <a:p>
             <a:fld id="{B1863CB9-A693-CA42-9056-EA714E1C6B92}" type="datetimeFigureOut">
               <a:rPr lang="en-IL" smtClean="0"/>
-              <a:t>01/11/2024</a:t>
+              <a:t>01/29/2024</a:t>
             </a:fld>
             <a:endParaRPr lang="en-IL"/>
           </a:p>
@@ -1510,7 +1510,7 @@
           <a:p>
             <a:fld id="{B1863CB9-A693-CA42-9056-EA714E1C6B92}" type="datetimeFigureOut">
               <a:rPr lang="en-IL" smtClean="0"/>
-              <a:t>01/11/2024</a:t>
+              <a:t>01/29/2024</a:t>
             </a:fld>
             <a:endParaRPr lang="en-IL"/>
           </a:p>
@@ -1690,7 +1690,7 @@
           <a:p>
             <a:fld id="{B1863CB9-A693-CA42-9056-EA714E1C6B92}" type="datetimeFigureOut">
               <a:rPr lang="en-IL" smtClean="0"/>
-              <a:t>01/11/2024</a:t>
+              <a:t>01/29/2024</a:t>
             </a:fld>
             <a:endParaRPr lang="en-IL"/>
           </a:p>
@@ -1860,7 +1860,7 @@
           <a:p>
             <a:fld id="{B1863CB9-A693-CA42-9056-EA714E1C6B92}" type="datetimeFigureOut">
               <a:rPr lang="en-IL" smtClean="0"/>
-              <a:t>01/11/2024</a:t>
+              <a:t>01/29/2024</a:t>
             </a:fld>
             <a:endParaRPr lang="en-IL"/>
           </a:p>
@@ -2104,7 +2104,7 @@
           <a:p>
             <a:fld id="{B1863CB9-A693-CA42-9056-EA714E1C6B92}" type="datetimeFigureOut">
               <a:rPr lang="en-IL" smtClean="0"/>
-              <a:t>01/11/2024</a:t>
+              <a:t>01/29/2024</a:t>
             </a:fld>
             <a:endParaRPr lang="en-IL"/>
           </a:p>
@@ -2336,7 +2336,7 @@
           <a:p>
             <a:fld id="{B1863CB9-A693-CA42-9056-EA714E1C6B92}" type="datetimeFigureOut">
               <a:rPr lang="en-IL" smtClean="0"/>
-              <a:t>01/11/2024</a:t>
+              <a:t>01/29/2024</a:t>
             </a:fld>
             <a:endParaRPr lang="en-IL"/>
           </a:p>
@@ -2703,7 +2703,7 @@
           <a:p>
             <a:fld id="{B1863CB9-A693-CA42-9056-EA714E1C6B92}" type="datetimeFigureOut">
               <a:rPr lang="en-IL" smtClean="0"/>
-              <a:t>01/11/2024</a:t>
+              <a:t>01/29/2024</a:t>
             </a:fld>
             <a:endParaRPr lang="en-IL"/>
           </a:p>
@@ -2821,7 +2821,7 @@
           <a:p>
             <a:fld id="{B1863CB9-A693-CA42-9056-EA714E1C6B92}" type="datetimeFigureOut">
               <a:rPr lang="en-IL" smtClean="0"/>
-              <a:t>01/11/2024</a:t>
+              <a:t>01/29/2024</a:t>
             </a:fld>
             <a:endParaRPr lang="en-IL"/>
           </a:p>
@@ -2916,7 +2916,7 @@
           <a:p>
             <a:fld id="{B1863CB9-A693-CA42-9056-EA714E1C6B92}" type="datetimeFigureOut">
               <a:rPr lang="en-IL" smtClean="0"/>
-              <a:t>01/11/2024</a:t>
+              <a:t>01/29/2024</a:t>
             </a:fld>
             <a:endParaRPr lang="en-IL"/>
           </a:p>
@@ -3193,7 +3193,7 @@
           <a:p>
             <a:fld id="{B1863CB9-A693-CA42-9056-EA714E1C6B92}" type="datetimeFigureOut">
               <a:rPr lang="en-IL" smtClean="0"/>
-              <a:t>01/11/2024</a:t>
+              <a:t>01/29/2024</a:t>
             </a:fld>
             <a:endParaRPr lang="en-IL"/>
           </a:p>
@@ -3450,7 +3450,7 @@
           <a:p>
             <a:fld id="{B1863CB9-A693-CA42-9056-EA714E1C6B92}" type="datetimeFigureOut">
               <a:rPr lang="en-IL" smtClean="0"/>
-              <a:t>01/11/2024</a:t>
+              <a:t>01/29/2024</a:t>
             </a:fld>
             <a:endParaRPr lang="en-IL"/>
           </a:p>
@@ -3663,7 +3663,7 @@
           <a:p>
             <a:fld id="{B1863CB9-A693-CA42-9056-EA714E1C6B92}" type="datetimeFigureOut">
               <a:rPr lang="en-IL" smtClean="0"/>
-              <a:t>01/11/2024</a:t>
+              <a:t>01/29/2024</a:t>
             </a:fld>
             <a:endParaRPr lang="en-IL"/>
           </a:p>
@@ -7681,7 +7681,7 @@
           <p:nvPr>
             <p:extLst>
               <p:ext uri="{D42A27DB-BD31-4B8C-83A1-F6EECF244321}">
-                <p14:modId xmlns:p14="http://schemas.microsoft.com/office/powerpoint/2010/main" val="3593724246"/>
+                <p14:modId xmlns:p14="http://schemas.microsoft.com/office/powerpoint/2010/main" val="2917947073"/>
               </p:ext>
             </p:extLst>
           </p:nvPr>
@@ -9201,7 +9201,7 @@
             <p:nvPr>
               <p:extLst>
                 <p:ext uri="{D42A27DB-BD31-4B8C-83A1-F6EECF244321}">
-                  <p14:modId xmlns:p14="http://schemas.microsoft.com/office/powerpoint/2010/main" val="2827440054"/>
+                  <p14:modId xmlns:p14="http://schemas.microsoft.com/office/powerpoint/2010/main" val="4222988500"/>
                 </p:ext>
               </p:extLst>
             </p:nvPr>
@@ -9337,7 +9337,7 @@
             <p:nvPr>
               <p:extLst>
                 <p:ext uri="{D42A27DB-BD31-4B8C-83A1-F6EECF244321}">
-                  <p14:modId xmlns:p14="http://schemas.microsoft.com/office/powerpoint/2010/main" val="357392400"/>
+                  <p14:modId xmlns:p14="http://schemas.microsoft.com/office/powerpoint/2010/main" val="641317805"/>
                 </p:ext>
               </p:extLst>
             </p:nvPr>
@@ -9473,7 +9473,7 @@
             <p:nvPr>
               <p:extLst>
                 <p:ext uri="{D42A27DB-BD31-4B8C-83A1-F6EECF244321}">
-                  <p14:modId xmlns:p14="http://schemas.microsoft.com/office/powerpoint/2010/main" val="1044070021"/>
+                  <p14:modId xmlns:p14="http://schemas.microsoft.com/office/powerpoint/2010/main" val="2439182358"/>
                 </p:ext>
               </p:extLst>
             </p:nvPr>
@@ -9609,7 +9609,7 @@
             <p:nvPr>
               <p:extLst>
                 <p:ext uri="{D42A27DB-BD31-4B8C-83A1-F6EECF244321}">
-                  <p14:modId xmlns:p14="http://schemas.microsoft.com/office/powerpoint/2010/main" val="3857496674"/>
+                  <p14:modId xmlns:p14="http://schemas.microsoft.com/office/powerpoint/2010/main" val="3048908447"/>
                 </p:ext>
               </p:extLst>
             </p:nvPr>
@@ -9747,7 +9747,7 @@
             <p:nvPr>
               <p:extLst>
                 <p:ext uri="{D42A27DB-BD31-4B8C-83A1-F6EECF244321}">
-                  <p14:modId xmlns:p14="http://schemas.microsoft.com/office/powerpoint/2010/main" val="1197292541"/>
+                  <p14:modId xmlns:p14="http://schemas.microsoft.com/office/powerpoint/2010/main" val="506506030"/>
                 </p:ext>
               </p:extLst>
             </p:nvPr>
@@ -10568,6 +10568,174 @@
           </a:graphicData>
         </a:graphic>
       </p:graphicFrame>
+      <p:graphicFrame>
+        <p:nvGraphicFramePr>
+          <p:cNvPr id="5" name="Object 4">
+            <a:extLst>
+              <a:ext uri="{FF2B5EF4-FFF2-40B4-BE49-F238E27FC236}">
+                <a16:creationId xmlns:a16="http://schemas.microsoft.com/office/drawing/2014/main" id="{F54636BF-D047-7119-3D1E-86274E11E06D}"/>
+              </a:ext>
+            </a:extLst>
+          </p:cNvPr>
+          <p:cNvGraphicFramePr>
+            <a:graphicFrameLocks noChangeAspect="1"/>
+          </p:cNvGraphicFramePr>
+          <p:nvPr>
+            <p:extLst>
+              <p:ext uri="{D42A27DB-BD31-4B8C-83A1-F6EECF244321}">
+                <p14:modId xmlns:p14="http://schemas.microsoft.com/office/powerpoint/2010/main" val="1844446367"/>
+              </p:ext>
+            </p:extLst>
+          </p:nvPr>
+        </p:nvGraphicFramePr>
+        <p:xfrm>
+          <a:off x="246062" y="3694132"/>
+          <a:ext cx="2022476" cy="2873375"/>
+        </p:xfrm>
+        <a:graphic>
+          <a:graphicData uri="http://schemas.openxmlformats.org/presentationml/2006/ole">
+            <mc:AlternateContent xmlns:mc="http://schemas.openxmlformats.org/markup-compatibility/2006">
+              <mc:Choice xmlns:v="urn:schemas-microsoft-com:vml" Requires="v">
+                <p:oleObj name="Prism 9" r:id="rId8" imgW="2020001" imgH="2867907" progId="Prism9.Document">
+                  <p:embed/>
+                </p:oleObj>
+              </mc:Choice>
+              <mc:Fallback>
+                <p:oleObj name="Prism 9" r:id="rId8" imgW="2020001" imgH="2867907" progId="Prism9.Document">
+                  <p:embed/>
+                  <p:pic>
+                    <p:nvPicPr>
+                      <p:cNvPr id="2" name="Object 1">
+                        <a:extLst>
+                          <a:ext uri="{FF2B5EF4-FFF2-40B4-BE49-F238E27FC236}">
+                            <a16:creationId xmlns:a16="http://schemas.microsoft.com/office/drawing/2014/main" id="{F54636BF-D047-7119-3D1E-86274E11E06D}"/>
+                          </a:ext>
+                        </a:extLst>
+                      </p:cNvPr>
+                      <p:cNvPicPr>
+                        <a:picLocks noChangeAspect="1" noChangeArrowheads="1"/>
+                      </p:cNvPicPr>
+                      <p:nvPr/>
+                    </p:nvPicPr>
+                    <p:blipFill>
+                      <a:blip r:embed="rId9"/>
+                      <a:srcRect/>
+                      <a:stretch>
+                        <a:fillRect/>
+                      </a:stretch>
+                    </p:blipFill>
+                    <p:spPr bwMode="auto">
+                      <a:xfrm>
+                        <a:off x="246062" y="3694132"/>
+                        <a:ext cx="2022476" cy="2873375"/>
+                      </a:xfrm>
+                      <a:prstGeom prst="rect">
+                        <a:avLst/>
+                      </a:prstGeom>
+                      <a:noFill/>
+                    </p:spPr>
+                  </p:pic>
+                </p:oleObj>
+              </mc:Fallback>
+            </mc:AlternateContent>
+          </a:graphicData>
+        </a:graphic>
+      </p:graphicFrame>
+      <p:pic>
+        <p:nvPicPr>
+          <p:cNvPr id="6" name="Picture 5">
+            <a:extLst>
+              <a:ext uri="{FF2B5EF4-FFF2-40B4-BE49-F238E27FC236}">
+                <a16:creationId xmlns:a16="http://schemas.microsoft.com/office/drawing/2014/main" id="{BB54E393-549F-C3F5-F95F-53D9657B08BB}"/>
+              </a:ext>
+            </a:extLst>
+          </p:cNvPr>
+          <p:cNvPicPr>
+            <a:picLocks noChangeAspect="1"/>
+          </p:cNvPicPr>
+          <p:nvPr/>
+        </p:nvPicPr>
+        <p:blipFill>
+          <a:blip r:embed="rId10"/>
+          <a:stretch>
+            <a:fillRect/>
+          </a:stretch>
+        </p:blipFill>
+        <p:spPr>
+          <a:xfrm>
+            <a:off x="0" y="-31116"/>
+            <a:ext cx="6858000" cy="3621024"/>
+          </a:xfrm>
+          <a:prstGeom prst="rect">
+            <a:avLst/>
+          </a:prstGeom>
+        </p:spPr>
+      </p:pic>
+      <p:pic>
+        <p:nvPicPr>
+          <p:cNvPr id="7" name="Picture 6">
+            <a:extLst>
+              <a:ext uri="{FF2B5EF4-FFF2-40B4-BE49-F238E27FC236}">
+                <a16:creationId xmlns:a16="http://schemas.microsoft.com/office/drawing/2014/main" id="{7194A8F5-CEA2-648C-2D1E-47EFED69E06B}"/>
+              </a:ext>
+            </a:extLst>
+          </p:cNvPr>
+          <p:cNvPicPr>
+            <a:picLocks noChangeAspect="1"/>
+          </p:cNvPicPr>
+          <p:nvPr/>
+        </p:nvPicPr>
+        <p:blipFill>
+          <a:blip r:embed="rId11"/>
+          <a:stretch>
+            <a:fillRect/>
+          </a:stretch>
+        </p:blipFill>
+        <p:spPr>
+          <a:xfrm>
+            <a:off x="2845435" y="3468685"/>
+            <a:ext cx="4012565" cy="2906398"/>
+          </a:xfrm>
+          <a:prstGeom prst="rect">
+            <a:avLst/>
+          </a:prstGeom>
+        </p:spPr>
+      </p:pic>
+      <p:sp>
+        <p:nvSpPr>
+          <p:cNvPr id="8" name="TextBox 7">
+            <a:extLst>
+              <a:ext uri="{FF2B5EF4-FFF2-40B4-BE49-F238E27FC236}">
+                <a16:creationId xmlns:a16="http://schemas.microsoft.com/office/drawing/2014/main" id="{D85F9558-7CBF-0603-DA0F-B6479FC000E4}"/>
+              </a:ext>
+            </a:extLst>
+          </p:cNvPr>
+          <p:cNvSpPr txBox="1"/>
+          <p:nvPr/>
+        </p:nvSpPr>
+        <p:spPr>
+          <a:xfrm>
+            <a:off x="2514600" y="3521328"/>
+            <a:ext cx="1341120" cy="369332"/>
+          </a:xfrm>
+          <a:prstGeom prst="rect">
+            <a:avLst/>
+          </a:prstGeom>
+          <a:noFill/>
+        </p:spPr>
+        <p:txBody>
+          <a:bodyPr wrap="square" rtlCol="0">
+            <a:spAutoFit/>
+          </a:bodyPr>
+          <a:lstStyle/>
+          <a:p>
+            <a:r>
+              <a:rPr lang="en-US" dirty="0"/>
+              <a:t>P=0.84</a:t>
+            </a:r>
+          </a:p>
+        </p:txBody>
+      </p:sp>
     </p:spTree>
     <p:extLst>
       <p:ext uri="{BB962C8B-B14F-4D97-AF65-F5344CB8AC3E}">

--- a/prism/Epilepsy-control figures slow nov 18 af.pptx
+++ b/prism/Epilepsy-control figures slow nov 18 af.pptx
@@ -220,7 +220,7 @@
           <a:p>
             <a:fld id="{059E68AF-D436-45B7-9D7B-7D787C1C2BA6}" type="datetimeFigureOut">
               <a:rPr lang="en-US" smtClean="0"/>
-              <a:t>1/29/2024</a:t>
+              <a:t>1/31/2024</a:t>
             </a:fld>
             <a:endParaRPr lang="en-US"/>
           </a:p>
@@ -1340,7 +1340,7 @@
           <a:p>
             <a:fld id="{B1863CB9-A693-CA42-9056-EA714E1C6B92}" type="datetimeFigureOut">
               <a:rPr lang="en-IL" smtClean="0"/>
-              <a:t>01/29/2024</a:t>
+              <a:t>01/31/2024</a:t>
             </a:fld>
             <a:endParaRPr lang="en-IL"/>
           </a:p>
@@ -1510,7 +1510,7 @@
           <a:p>
             <a:fld id="{B1863CB9-A693-CA42-9056-EA714E1C6B92}" type="datetimeFigureOut">
               <a:rPr lang="en-IL" smtClean="0"/>
-              <a:t>01/29/2024</a:t>
+              <a:t>01/31/2024</a:t>
             </a:fld>
             <a:endParaRPr lang="en-IL"/>
           </a:p>
@@ -1690,7 +1690,7 @@
           <a:p>
             <a:fld id="{B1863CB9-A693-CA42-9056-EA714E1C6B92}" type="datetimeFigureOut">
               <a:rPr lang="en-IL" smtClean="0"/>
-              <a:t>01/29/2024</a:t>
+              <a:t>01/31/2024</a:t>
             </a:fld>
             <a:endParaRPr lang="en-IL"/>
           </a:p>
@@ -1860,7 +1860,7 @@
           <a:p>
             <a:fld id="{B1863CB9-A693-CA42-9056-EA714E1C6B92}" type="datetimeFigureOut">
               <a:rPr lang="en-IL" smtClean="0"/>
-              <a:t>01/29/2024</a:t>
+              <a:t>01/31/2024</a:t>
             </a:fld>
             <a:endParaRPr lang="en-IL"/>
           </a:p>
@@ -2104,7 +2104,7 @@
           <a:p>
             <a:fld id="{B1863CB9-A693-CA42-9056-EA714E1C6B92}" type="datetimeFigureOut">
               <a:rPr lang="en-IL" smtClean="0"/>
-              <a:t>01/29/2024</a:t>
+              <a:t>01/31/2024</a:t>
             </a:fld>
             <a:endParaRPr lang="en-IL"/>
           </a:p>
@@ -2336,7 +2336,7 @@
           <a:p>
             <a:fld id="{B1863CB9-A693-CA42-9056-EA714E1C6B92}" type="datetimeFigureOut">
               <a:rPr lang="en-IL" smtClean="0"/>
-              <a:t>01/29/2024</a:t>
+              <a:t>01/31/2024</a:t>
             </a:fld>
             <a:endParaRPr lang="en-IL"/>
           </a:p>
@@ -2703,7 +2703,7 @@
           <a:p>
             <a:fld id="{B1863CB9-A693-CA42-9056-EA714E1C6B92}" type="datetimeFigureOut">
               <a:rPr lang="en-IL" smtClean="0"/>
-              <a:t>01/29/2024</a:t>
+              <a:t>01/31/2024</a:t>
             </a:fld>
             <a:endParaRPr lang="en-IL"/>
           </a:p>
@@ -2821,7 +2821,7 @@
           <a:p>
             <a:fld id="{B1863CB9-A693-CA42-9056-EA714E1C6B92}" type="datetimeFigureOut">
               <a:rPr lang="en-IL" smtClean="0"/>
-              <a:t>01/29/2024</a:t>
+              <a:t>01/31/2024</a:t>
             </a:fld>
             <a:endParaRPr lang="en-IL"/>
           </a:p>
@@ -2916,7 +2916,7 @@
           <a:p>
             <a:fld id="{B1863CB9-A693-CA42-9056-EA714E1C6B92}" type="datetimeFigureOut">
               <a:rPr lang="en-IL" smtClean="0"/>
-              <a:t>01/29/2024</a:t>
+              <a:t>01/31/2024</a:t>
             </a:fld>
             <a:endParaRPr lang="en-IL"/>
           </a:p>
@@ -3193,7 +3193,7 @@
           <a:p>
             <a:fld id="{B1863CB9-A693-CA42-9056-EA714E1C6B92}" type="datetimeFigureOut">
               <a:rPr lang="en-IL" smtClean="0"/>
-              <a:t>01/29/2024</a:t>
+              <a:t>01/31/2024</a:t>
             </a:fld>
             <a:endParaRPr lang="en-IL"/>
           </a:p>
@@ -3450,7 +3450,7 @@
           <a:p>
             <a:fld id="{B1863CB9-A693-CA42-9056-EA714E1C6B92}" type="datetimeFigureOut">
               <a:rPr lang="en-IL" smtClean="0"/>
-              <a:t>01/29/2024</a:t>
+              <a:t>01/31/2024</a:t>
             </a:fld>
             <a:endParaRPr lang="en-IL"/>
           </a:p>
@@ -3663,7 +3663,7 @@
           <a:p>
             <a:fld id="{B1863CB9-A693-CA42-9056-EA714E1C6B92}" type="datetimeFigureOut">
               <a:rPr lang="en-IL" smtClean="0"/>
-              <a:t>01/29/2024</a:t>
+              <a:t>01/31/2024</a:t>
             </a:fld>
             <a:endParaRPr lang="en-IL"/>
           </a:p>
@@ -4914,7 +4914,7 @@
                   <a:latin typeface="Times New Roman" panose="02020603050405020304" pitchFamily="18" charset="0"/>
                   <a:cs typeface="Times New Roman" panose="02020603050405020304" pitchFamily="18" charset="0"/>
                 </a:rPr>
-                <a:t>Z score</a:t>
+                <a:t>MAD</a:t>
               </a:r>
             </a:p>
           </p:txBody>
@@ -5357,126 +5357,6 @@
           </a:p>
         </p:txBody>
       </p:sp>
-      <p:pic>
-        <p:nvPicPr>
-          <p:cNvPr id="10" name="Picture 9">
-            <a:extLst>
-              <a:ext uri="{FF2B5EF4-FFF2-40B4-BE49-F238E27FC236}">
-                <a16:creationId xmlns:a16="http://schemas.microsoft.com/office/drawing/2014/main" id="{B1644301-9693-027C-71C6-C05B06C0551E}"/>
-              </a:ext>
-            </a:extLst>
-          </p:cNvPr>
-          <p:cNvPicPr>
-            <a:picLocks noChangeAspect="1"/>
-          </p:cNvPicPr>
-          <p:nvPr/>
-        </p:nvPicPr>
-        <p:blipFill>
-          <a:blip r:embed="rId3"/>
-          <a:stretch>
-            <a:fillRect/>
-          </a:stretch>
-        </p:blipFill>
-        <p:spPr>
-          <a:xfrm>
-            <a:off x="96322" y="593964"/>
-            <a:ext cx="1841905" cy="731520"/>
-          </a:xfrm>
-          <a:prstGeom prst="rect">
-            <a:avLst/>
-          </a:prstGeom>
-        </p:spPr>
-      </p:pic>
-      <p:pic>
-        <p:nvPicPr>
-          <p:cNvPr id="13" name="Picture 12">
-            <a:extLst>
-              <a:ext uri="{FF2B5EF4-FFF2-40B4-BE49-F238E27FC236}">
-                <a16:creationId xmlns:a16="http://schemas.microsoft.com/office/drawing/2014/main" id="{4C7B7434-6F59-18BA-5A34-BFC0AC376C64}"/>
-              </a:ext>
-            </a:extLst>
-          </p:cNvPr>
-          <p:cNvPicPr>
-            <a:picLocks noChangeAspect="1"/>
-          </p:cNvPicPr>
-          <p:nvPr/>
-        </p:nvPicPr>
-        <p:blipFill>
-          <a:blip r:embed="rId4"/>
-          <a:stretch>
-            <a:fillRect/>
-          </a:stretch>
-        </p:blipFill>
-        <p:spPr>
-          <a:xfrm>
-            <a:off x="155813" y="1284618"/>
-            <a:ext cx="1722923" cy="548640"/>
-          </a:xfrm>
-          <a:prstGeom prst="rect">
-            <a:avLst/>
-          </a:prstGeom>
-        </p:spPr>
-      </p:pic>
-      <p:pic>
-        <p:nvPicPr>
-          <p:cNvPr id="20" name="Picture 19">
-            <a:extLst>
-              <a:ext uri="{FF2B5EF4-FFF2-40B4-BE49-F238E27FC236}">
-                <a16:creationId xmlns:a16="http://schemas.microsoft.com/office/drawing/2014/main" id="{662B1CE4-F49B-E1FC-CB7C-2CD33DA8F302}"/>
-              </a:ext>
-            </a:extLst>
-          </p:cNvPr>
-          <p:cNvPicPr>
-            <a:picLocks noChangeAspect="1"/>
-          </p:cNvPicPr>
-          <p:nvPr/>
-        </p:nvPicPr>
-        <p:blipFill>
-          <a:blip r:embed="rId5"/>
-          <a:stretch>
-            <a:fillRect/>
-          </a:stretch>
-        </p:blipFill>
-        <p:spPr>
-          <a:xfrm>
-            <a:off x="2483231" y="631346"/>
-            <a:ext cx="1913208" cy="731520"/>
-          </a:xfrm>
-          <a:prstGeom prst="rect">
-            <a:avLst/>
-          </a:prstGeom>
-        </p:spPr>
-      </p:pic>
-      <p:pic>
-        <p:nvPicPr>
-          <p:cNvPr id="23" name="Picture 22">
-            <a:extLst>
-              <a:ext uri="{FF2B5EF4-FFF2-40B4-BE49-F238E27FC236}">
-                <a16:creationId xmlns:a16="http://schemas.microsoft.com/office/drawing/2014/main" id="{419AE888-7054-E638-E3DD-886129EBFEA7}"/>
-              </a:ext>
-            </a:extLst>
-          </p:cNvPr>
-          <p:cNvPicPr>
-            <a:picLocks noChangeAspect="1"/>
-          </p:cNvPicPr>
-          <p:nvPr/>
-        </p:nvPicPr>
-        <p:blipFill>
-          <a:blip r:embed="rId6"/>
-          <a:stretch>
-            <a:fillRect/>
-          </a:stretch>
-        </p:blipFill>
-        <p:spPr>
-          <a:xfrm>
-            <a:off x="2479862" y="1302231"/>
-            <a:ext cx="1900552" cy="548640"/>
-          </a:xfrm>
-          <a:prstGeom prst="rect">
-            <a:avLst/>
-          </a:prstGeom>
-        </p:spPr>
-      </p:pic>
       <p:grpSp>
         <p:nvGrpSpPr>
           <p:cNvPr id="61" name="Group 60">
@@ -5851,7 +5731,7 @@
               <p:nvPr/>
             </p:nvPicPr>
             <p:blipFill rotWithShape="1">
-              <a:blip r:embed="rId7"/>
+              <a:blip r:embed="rId3"/>
               <a:srcRect l="23126" r="46000"/>
               <a:stretch/>
             </p:blipFill>
@@ -5973,7 +5853,7 @@
                   <a:latin typeface="Times New Roman" panose="02020603050405020304" pitchFamily="18" charset="0"/>
                   <a:cs typeface="+mj-cs"/>
                 </a:rPr>
-                <a:t>Z score</a:t>
+                <a:t>MAD</a:t>
               </a:r>
             </a:p>
           </p:txBody>
@@ -6241,7 +6121,7 @@
               <p:nvPr/>
             </p:nvPicPr>
             <p:blipFill rotWithShape="1">
-              <a:blip r:embed="rId8"/>
+              <a:blip r:embed="rId4"/>
               <a:srcRect l="21508" r="35630"/>
               <a:stretch/>
             </p:blipFill>
@@ -6408,7 +6288,7 @@
           <p:nvPr/>
         </p:nvPicPr>
         <p:blipFill>
-          <a:blip r:embed="rId9"/>
+          <a:blip r:embed="rId5"/>
           <a:stretch>
             <a:fillRect/>
           </a:stretch>
@@ -6462,7 +6342,7 @@
           <p:nvPr/>
         </p:nvPicPr>
         <p:blipFill>
-          <a:blip r:embed="rId10"/>
+          <a:blip r:embed="rId6"/>
           <a:stretch>
             <a:fillRect/>
           </a:stretch>
@@ -6471,66 +6351,6 @@
           <a:xfrm>
             <a:off x="1081062" y="2199943"/>
             <a:ext cx="914400" cy="914400"/>
-          </a:xfrm>
-          <a:prstGeom prst="rect">
-            <a:avLst/>
-          </a:prstGeom>
-        </p:spPr>
-      </p:pic>
-      <p:pic>
-        <p:nvPicPr>
-          <p:cNvPr id="63" name="Picture 62">
-            <a:extLst>
-              <a:ext uri="{FF2B5EF4-FFF2-40B4-BE49-F238E27FC236}">
-                <a16:creationId xmlns:a16="http://schemas.microsoft.com/office/drawing/2014/main" id="{94A3F9BF-A3F4-1990-AB23-2B5E87D7C5A9}"/>
-              </a:ext>
-            </a:extLst>
-          </p:cNvPr>
-          <p:cNvPicPr>
-            <a:picLocks noChangeAspect="1"/>
-          </p:cNvPicPr>
-          <p:nvPr/>
-        </p:nvPicPr>
-        <p:blipFill>
-          <a:blip r:embed="rId11"/>
-          <a:stretch>
-            <a:fillRect/>
-          </a:stretch>
-        </p:blipFill>
-        <p:spPr>
-          <a:xfrm>
-            <a:off x="113246" y="3364633"/>
-            <a:ext cx="1853772" cy="731520"/>
-          </a:xfrm>
-          <a:prstGeom prst="rect">
-            <a:avLst/>
-          </a:prstGeom>
-        </p:spPr>
-      </p:pic>
-      <p:pic>
-        <p:nvPicPr>
-          <p:cNvPr id="64" name="Picture 63">
-            <a:extLst>
-              <a:ext uri="{FF2B5EF4-FFF2-40B4-BE49-F238E27FC236}">
-                <a16:creationId xmlns:a16="http://schemas.microsoft.com/office/drawing/2014/main" id="{7A23ED67-4D38-33AD-B916-DA2802399ACB}"/>
-              </a:ext>
-            </a:extLst>
-          </p:cNvPr>
-          <p:cNvPicPr>
-            <a:picLocks noChangeAspect="1"/>
-          </p:cNvPicPr>
-          <p:nvPr/>
-        </p:nvPicPr>
-        <p:blipFill>
-          <a:blip r:embed="rId12"/>
-          <a:stretch>
-            <a:fillRect/>
-          </a:stretch>
-        </p:blipFill>
-        <p:spPr>
-          <a:xfrm>
-            <a:off x="2428724" y="3364633"/>
-            <a:ext cx="2018770" cy="731520"/>
           </a:xfrm>
           <a:prstGeom prst="rect">
             <a:avLst/>
@@ -6552,7 +6372,7 @@
           <p:nvPr/>
         </p:nvPicPr>
         <p:blipFill>
-          <a:blip r:embed="rId13"/>
+          <a:blip r:embed="rId7"/>
           <a:stretch>
             <a:fillRect/>
           </a:stretch>
@@ -6606,7 +6426,7 @@
           <p:nvPr/>
         </p:nvPicPr>
         <p:blipFill>
-          <a:blip r:embed="rId14"/>
+          <a:blip r:embed="rId8"/>
           <a:stretch>
             <a:fillRect/>
           </a:stretch>
@@ -6675,7 +6495,7 @@
                   <a:latin typeface="Times New Roman" panose="02020603050405020304" pitchFamily="18" charset="0"/>
                   <a:cs typeface="+mj-cs"/>
                 </a:rPr>
-                <a:t>Zscore</a:t>
+                <a:t>MAD</a:t>
               </a:r>
             </a:p>
           </p:txBody>
@@ -6943,7 +6763,7 @@
               <p:nvPr/>
             </p:nvPicPr>
             <p:blipFill rotWithShape="1">
-              <a:blip r:embed="rId8"/>
+              <a:blip r:embed="rId4"/>
               <a:srcRect l="21508" r="35630"/>
               <a:stretch/>
             </p:blipFill>
@@ -7065,7 +6885,7 @@
                   <a:latin typeface="Times New Roman" panose="02020603050405020304" pitchFamily="18" charset="0"/>
                   <a:cs typeface="Times New Roman" panose="02020603050405020304" pitchFamily="18" charset="0"/>
                 </a:rPr>
-                <a:t>Z score</a:t>
+                <a:t>MAD</a:t>
               </a:r>
             </a:p>
           </p:txBody>
@@ -7125,7 +6945,7 @@
                 <p:nvPr/>
               </p:nvPicPr>
               <p:blipFill rotWithShape="1">
-                <a:blip r:embed="rId15"/>
+                <a:blip r:embed="rId9"/>
                 <a:srcRect l="27050" r="16187"/>
                 <a:stretch/>
               </p:blipFill>
@@ -7548,12 +7368,12 @@
           <a:graphicData uri="http://schemas.openxmlformats.org/presentationml/2006/ole">
             <mc:AlternateContent xmlns:mc="http://schemas.openxmlformats.org/markup-compatibility/2006">
               <mc:Choice xmlns:v="urn:schemas-microsoft-com:vml" Requires="v">
-                <p:oleObj name="Prism 9" r:id="rId16" imgW="2686252" imgH="3000443" progId="Prism9.Document">
+                <p:oleObj name="Prism 9" r:id="rId10" imgW="2686252" imgH="3000443" progId="Prism9.Document">
                   <p:embed/>
                 </p:oleObj>
               </mc:Choice>
               <mc:Fallback>
-                <p:oleObj name="Prism 9" r:id="rId16" imgW="2686252" imgH="3000443" progId="Prism9.Document">
+                <p:oleObj name="Prism 9" r:id="rId10" imgW="2686252" imgH="3000443" progId="Prism9.Document">
                   <p:embed/>
                   <p:pic>
                     <p:nvPicPr>
@@ -7570,7 +7390,7 @@
                       <p:nvPr/>
                     </p:nvPicPr>
                     <p:blipFill>
-                      <a:blip r:embed="rId17"/>
+                      <a:blip r:embed="rId11"/>
                       <a:srcRect/>
                       <a:stretch>
                         <a:fillRect/>
@@ -7621,12 +7441,12 @@
           <a:graphicData uri="http://schemas.openxmlformats.org/presentationml/2006/ole">
             <mc:AlternateContent xmlns:mc="http://schemas.openxmlformats.org/markup-compatibility/2006">
               <mc:Choice xmlns:v="urn:schemas-microsoft-com:vml" Requires="v">
-                <p:oleObj name="Prism 9" r:id="rId18" imgW="3704716" imgH="2625523" progId="Prism9.Document">
+                <p:oleObj name="Prism 9" r:id="rId12" imgW="3704716" imgH="2625523" progId="Prism9.Document">
                   <p:embed/>
                 </p:oleObj>
               </mc:Choice>
               <mc:Fallback>
-                <p:oleObj name="Prism 9" r:id="rId18" imgW="3704716" imgH="2625523" progId="Prism9.Document">
+                <p:oleObj name="Prism 9" r:id="rId12" imgW="3704716" imgH="2625523" progId="Prism9.Document">
                   <p:embed/>
                   <p:pic>
                     <p:nvPicPr>
@@ -7643,7 +7463,7 @@
                       <p:nvPr/>
                     </p:nvPicPr>
                     <p:blipFill>
-                      <a:blip r:embed="rId19"/>
+                      <a:blip r:embed="rId13"/>
                       <a:srcRect/>
                       <a:stretch>
                         <a:fillRect/>
@@ -7694,12 +7514,12 @@
           <a:graphicData uri="http://schemas.openxmlformats.org/presentationml/2006/ole">
             <mc:AlternateContent xmlns:mc="http://schemas.openxmlformats.org/markup-compatibility/2006">
               <mc:Choice xmlns:v="urn:schemas-microsoft-com:vml" Requires="v">
-                <p:oleObj name="Prism 9" r:id="rId20" imgW="2289743" imgH="2625523" progId="Prism9.Document">
+                <p:oleObj name="Prism 9" r:id="rId14" imgW="2289743" imgH="2625523" progId="Prism9.Document">
                   <p:embed/>
                 </p:oleObj>
               </mc:Choice>
               <mc:Fallback>
-                <p:oleObj name="Prism 9" r:id="rId20" imgW="2289743" imgH="2625523" progId="Prism9.Document">
+                <p:oleObj name="Prism 9" r:id="rId14" imgW="2289743" imgH="2625523" progId="Prism9.Document">
                   <p:embed/>
                   <p:pic>
                     <p:nvPicPr>
@@ -7716,7 +7536,7 @@
                       <p:nvPr/>
                     </p:nvPicPr>
                     <p:blipFill>
-                      <a:blip r:embed="rId21"/>
+                      <a:blip r:embed="rId15"/>
                       <a:srcRect/>
                       <a:stretch>
                         <a:fillRect/>
@@ -7739,6 +7559,186 @@
           </a:graphicData>
         </a:graphic>
       </p:graphicFrame>
+      <p:pic>
+        <p:nvPicPr>
+          <p:cNvPr id="6" name="Picture 5">
+            <a:extLst>
+              <a:ext uri="{FF2B5EF4-FFF2-40B4-BE49-F238E27FC236}">
+                <a16:creationId xmlns:a16="http://schemas.microsoft.com/office/drawing/2014/main" id="{4FACAF59-542D-9A8B-AA32-CB19CD4C398D}"/>
+              </a:ext>
+            </a:extLst>
+          </p:cNvPr>
+          <p:cNvPicPr>
+            <a:picLocks noChangeAspect="1"/>
+          </p:cNvPicPr>
+          <p:nvPr/>
+        </p:nvPicPr>
+        <p:blipFill>
+          <a:blip r:embed="rId16"/>
+          <a:stretch>
+            <a:fillRect/>
+          </a:stretch>
+        </p:blipFill>
+        <p:spPr>
+          <a:xfrm>
+            <a:off x="241811" y="650160"/>
+            <a:ext cx="1560365" cy="601099"/>
+          </a:xfrm>
+          <a:prstGeom prst="rect">
+            <a:avLst/>
+          </a:prstGeom>
+        </p:spPr>
+      </p:pic>
+      <p:pic>
+        <p:nvPicPr>
+          <p:cNvPr id="15" name="Picture 14">
+            <a:extLst>
+              <a:ext uri="{FF2B5EF4-FFF2-40B4-BE49-F238E27FC236}">
+                <a16:creationId xmlns:a16="http://schemas.microsoft.com/office/drawing/2014/main" id="{3AB15AFA-C825-668A-8526-441BEF0BE0F2}"/>
+              </a:ext>
+            </a:extLst>
+          </p:cNvPr>
+          <p:cNvPicPr>
+            <a:picLocks noChangeAspect="1"/>
+          </p:cNvPicPr>
+          <p:nvPr/>
+        </p:nvPicPr>
+        <p:blipFill>
+          <a:blip r:embed="rId17"/>
+          <a:stretch>
+            <a:fillRect/>
+          </a:stretch>
+        </p:blipFill>
+        <p:spPr>
+          <a:xfrm>
+            <a:off x="62250" y="1317976"/>
+            <a:ext cx="1901473" cy="511381"/>
+          </a:xfrm>
+          <a:prstGeom prst="rect">
+            <a:avLst/>
+          </a:prstGeom>
+        </p:spPr>
+      </p:pic>
+      <p:pic>
+        <p:nvPicPr>
+          <p:cNvPr id="31" name="Picture 30">
+            <a:extLst>
+              <a:ext uri="{FF2B5EF4-FFF2-40B4-BE49-F238E27FC236}">
+                <a16:creationId xmlns:a16="http://schemas.microsoft.com/office/drawing/2014/main" id="{BD08FEFE-0ADF-6E18-8F13-2A73D50F5AE3}"/>
+              </a:ext>
+            </a:extLst>
+          </p:cNvPr>
+          <p:cNvPicPr>
+            <a:picLocks noChangeAspect="1"/>
+          </p:cNvPicPr>
+          <p:nvPr/>
+        </p:nvPicPr>
+        <p:blipFill>
+          <a:blip r:embed="rId18"/>
+          <a:stretch>
+            <a:fillRect/>
+          </a:stretch>
+        </p:blipFill>
+        <p:spPr>
+          <a:xfrm>
+            <a:off x="2608238" y="679090"/>
+            <a:ext cx="1673069" cy="660681"/>
+          </a:xfrm>
+          <a:prstGeom prst="rect">
+            <a:avLst/>
+          </a:prstGeom>
+        </p:spPr>
+      </p:pic>
+      <p:pic>
+        <p:nvPicPr>
+          <p:cNvPr id="37" name="Picture 36">
+            <a:extLst>
+              <a:ext uri="{FF2B5EF4-FFF2-40B4-BE49-F238E27FC236}">
+                <a16:creationId xmlns:a16="http://schemas.microsoft.com/office/drawing/2014/main" id="{5DB1C3DA-6028-7217-5EFC-EF9DE27D91B8}"/>
+              </a:ext>
+            </a:extLst>
+          </p:cNvPr>
+          <p:cNvPicPr>
+            <a:picLocks noChangeAspect="1"/>
+          </p:cNvPicPr>
+          <p:nvPr/>
+        </p:nvPicPr>
+        <p:blipFill>
+          <a:blip r:embed="rId19"/>
+          <a:stretch>
+            <a:fillRect/>
+          </a:stretch>
+        </p:blipFill>
+        <p:spPr>
+          <a:xfrm>
+            <a:off x="2438125" y="1305243"/>
+            <a:ext cx="1945615" cy="536846"/>
+          </a:xfrm>
+          <a:prstGeom prst="rect">
+            <a:avLst/>
+          </a:prstGeom>
+        </p:spPr>
+      </p:pic>
+      <p:pic>
+        <p:nvPicPr>
+          <p:cNvPr id="39" name="Picture 38">
+            <a:extLst>
+              <a:ext uri="{FF2B5EF4-FFF2-40B4-BE49-F238E27FC236}">
+                <a16:creationId xmlns:a16="http://schemas.microsoft.com/office/drawing/2014/main" id="{4965404A-E16F-D6C1-99CF-582056F2DA21}"/>
+              </a:ext>
+            </a:extLst>
+          </p:cNvPr>
+          <p:cNvPicPr>
+            <a:picLocks noChangeAspect="1"/>
+          </p:cNvPicPr>
+          <p:nvPr/>
+        </p:nvPicPr>
+        <p:blipFill>
+          <a:blip r:embed="rId20"/>
+          <a:stretch>
+            <a:fillRect/>
+          </a:stretch>
+        </p:blipFill>
+        <p:spPr>
+          <a:xfrm>
+            <a:off x="30927" y="3348945"/>
+            <a:ext cx="2126977" cy="833710"/>
+          </a:xfrm>
+          <a:prstGeom prst="rect">
+            <a:avLst/>
+          </a:prstGeom>
+        </p:spPr>
+      </p:pic>
+      <p:pic>
+        <p:nvPicPr>
+          <p:cNvPr id="41" name="Picture 40">
+            <a:extLst>
+              <a:ext uri="{FF2B5EF4-FFF2-40B4-BE49-F238E27FC236}">
+                <a16:creationId xmlns:a16="http://schemas.microsoft.com/office/drawing/2014/main" id="{B3F0A001-3A93-2D9F-3447-B1992B1AE7AE}"/>
+              </a:ext>
+            </a:extLst>
+          </p:cNvPr>
+          <p:cNvPicPr>
+            <a:picLocks noChangeAspect="1"/>
+          </p:cNvPicPr>
+          <p:nvPr/>
+        </p:nvPicPr>
+        <p:blipFill>
+          <a:blip r:embed="rId21"/>
+          <a:stretch>
+            <a:fillRect/>
+          </a:stretch>
+        </p:blipFill>
+        <p:spPr>
+          <a:xfrm>
+            <a:off x="2361545" y="3433268"/>
+            <a:ext cx="1878922" cy="703243"/>
+          </a:xfrm>
+          <a:prstGeom prst="rect">
+            <a:avLst/>
+          </a:prstGeom>
+        </p:spPr>
+      </p:pic>
     </p:spTree>
     <p:extLst>
       <p:ext uri="{BB962C8B-B14F-4D97-AF65-F5344CB8AC3E}">
@@ -8436,7 +8436,7 @@
                   <a:latin typeface="Times New Roman" panose="02020603050405020304" pitchFamily="18" charset="0"/>
                   <a:cs typeface="Times New Roman" panose="02020603050405020304" pitchFamily="18" charset="0"/>
                 </a:rPr>
-                <a:t>Z score</a:t>
+                <a:t>MAD</a:t>
               </a:r>
             </a:p>
           </p:txBody>

--- a/prism/Epilepsy-control figures slow nov 18 af.pptx
+++ b/prism/Epilepsy-control figures slow nov 18 af.pptx
@@ -220,7 +220,7 @@
           <a:p>
             <a:fld id="{059E68AF-D436-45B7-9D7B-7D787C1C2BA6}" type="datetimeFigureOut">
               <a:rPr lang="en-US" smtClean="0"/>
-              <a:t>1/31/2024</a:t>
+              <a:t>2/19/2024</a:t>
             </a:fld>
             <a:endParaRPr lang="en-US"/>
           </a:p>
@@ -1340,7 +1340,7 @@
           <a:p>
             <a:fld id="{B1863CB9-A693-CA42-9056-EA714E1C6B92}" type="datetimeFigureOut">
               <a:rPr lang="en-IL" smtClean="0"/>
-              <a:t>01/31/2024</a:t>
+              <a:t>02/19/2024</a:t>
             </a:fld>
             <a:endParaRPr lang="en-IL"/>
           </a:p>
@@ -1510,7 +1510,7 @@
           <a:p>
             <a:fld id="{B1863CB9-A693-CA42-9056-EA714E1C6B92}" type="datetimeFigureOut">
               <a:rPr lang="en-IL" smtClean="0"/>
-              <a:t>01/31/2024</a:t>
+              <a:t>02/19/2024</a:t>
             </a:fld>
             <a:endParaRPr lang="en-IL"/>
           </a:p>
@@ -1690,7 +1690,7 @@
           <a:p>
             <a:fld id="{B1863CB9-A693-CA42-9056-EA714E1C6B92}" type="datetimeFigureOut">
               <a:rPr lang="en-IL" smtClean="0"/>
-              <a:t>01/31/2024</a:t>
+              <a:t>02/19/2024</a:t>
             </a:fld>
             <a:endParaRPr lang="en-IL"/>
           </a:p>
@@ -1860,7 +1860,7 @@
           <a:p>
             <a:fld id="{B1863CB9-A693-CA42-9056-EA714E1C6B92}" type="datetimeFigureOut">
               <a:rPr lang="en-IL" smtClean="0"/>
-              <a:t>01/31/2024</a:t>
+              <a:t>02/19/2024</a:t>
             </a:fld>
             <a:endParaRPr lang="en-IL"/>
           </a:p>
@@ -2104,7 +2104,7 @@
           <a:p>
             <a:fld id="{B1863CB9-A693-CA42-9056-EA714E1C6B92}" type="datetimeFigureOut">
               <a:rPr lang="en-IL" smtClean="0"/>
-              <a:t>01/31/2024</a:t>
+              <a:t>02/19/2024</a:t>
             </a:fld>
             <a:endParaRPr lang="en-IL"/>
           </a:p>
@@ -2336,7 +2336,7 @@
           <a:p>
             <a:fld id="{B1863CB9-A693-CA42-9056-EA714E1C6B92}" type="datetimeFigureOut">
               <a:rPr lang="en-IL" smtClean="0"/>
-              <a:t>01/31/2024</a:t>
+              <a:t>02/19/2024</a:t>
             </a:fld>
             <a:endParaRPr lang="en-IL"/>
           </a:p>
@@ -2703,7 +2703,7 @@
           <a:p>
             <a:fld id="{B1863CB9-A693-CA42-9056-EA714E1C6B92}" type="datetimeFigureOut">
               <a:rPr lang="en-IL" smtClean="0"/>
-              <a:t>01/31/2024</a:t>
+              <a:t>02/19/2024</a:t>
             </a:fld>
             <a:endParaRPr lang="en-IL"/>
           </a:p>
@@ -2821,7 +2821,7 @@
           <a:p>
             <a:fld id="{B1863CB9-A693-CA42-9056-EA714E1C6B92}" type="datetimeFigureOut">
               <a:rPr lang="en-IL" smtClean="0"/>
-              <a:t>01/31/2024</a:t>
+              <a:t>02/19/2024</a:t>
             </a:fld>
             <a:endParaRPr lang="en-IL"/>
           </a:p>
@@ -2916,7 +2916,7 @@
           <a:p>
             <a:fld id="{B1863CB9-A693-CA42-9056-EA714E1C6B92}" type="datetimeFigureOut">
               <a:rPr lang="en-IL" smtClean="0"/>
-              <a:t>01/31/2024</a:t>
+              <a:t>02/19/2024</a:t>
             </a:fld>
             <a:endParaRPr lang="en-IL"/>
           </a:p>
@@ -3193,7 +3193,7 @@
           <a:p>
             <a:fld id="{B1863CB9-A693-CA42-9056-EA714E1C6B92}" type="datetimeFigureOut">
               <a:rPr lang="en-IL" smtClean="0"/>
-              <a:t>01/31/2024</a:t>
+              <a:t>02/19/2024</a:t>
             </a:fld>
             <a:endParaRPr lang="en-IL"/>
           </a:p>
@@ -3450,7 +3450,7 @@
           <a:p>
             <a:fld id="{B1863CB9-A693-CA42-9056-EA714E1C6B92}" type="datetimeFigureOut">
               <a:rPr lang="en-IL" smtClean="0"/>
-              <a:t>01/31/2024</a:t>
+              <a:t>02/19/2024</a:t>
             </a:fld>
             <a:endParaRPr lang="en-IL"/>
           </a:p>
@@ -3663,7 +3663,7 @@
           <a:p>
             <a:fld id="{B1863CB9-A693-CA42-9056-EA714E1C6B92}" type="datetimeFigureOut">
               <a:rPr lang="en-IL" smtClean="0"/>
-              <a:t>01/31/2024</a:t>
+              <a:t>02/19/2024</a:t>
             </a:fld>
             <a:endParaRPr lang="en-IL"/>
           </a:p>
@@ -7355,13 +7355,13 @@
           <p:nvPr>
             <p:extLst>
               <p:ext uri="{D42A27DB-BD31-4B8C-83A1-F6EECF244321}">
-                <p14:modId xmlns:p14="http://schemas.microsoft.com/office/powerpoint/2010/main" val="874715476"/>
+                <p14:modId xmlns:p14="http://schemas.microsoft.com/office/powerpoint/2010/main" val="3427981565"/>
               </p:ext>
             </p:extLst>
           </p:nvPr>
         </p:nvGraphicFramePr>
         <p:xfrm>
-          <a:off x="3817785" y="4631322"/>
+          <a:off x="3605332" y="4647224"/>
           <a:ext cx="1896454" cy="2117707"/>
         </p:xfrm>
         <a:graphic>
@@ -7398,7 +7398,7 @@
                     </p:blipFill>
                     <p:spPr bwMode="auto">
                       <a:xfrm>
-                        <a:off x="3817785" y="4631322"/>
+                        <a:off x="3605332" y="4647224"/>
                         <a:ext cx="1896454" cy="2117707"/>
                       </a:xfrm>
                       <a:prstGeom prst="rect">
@@ -7739,6 +7739,79 @@
           </a:prstGeom>
         </p:spPr>
       </p:pic>
+      <p:graphicFrame>
+        <p:nvGraphicFramePr>
+          <p:cNvPr id="2" name="Object 1">
+            <a:extLst>
+              <a:ext uri="{FF2B5EF4-FFF2-40B4-BE49-F238E27FC236}">
+                <a16:creationId xmlns:a16="http://schemas.microsoft.com/office/drawing/2014/main" id="{E1EAC5C1-B727-0D58-8DFE-995C2120EAF2}"/>
+              </a:ext>
+            </a:extLst>
+          </p:cNvPr>
+          <p:cNvGraphicFramePr>
+            <a:graphicFrameLocks noChangeAspect="1"/>
+          </p:cNvGraphicFramePr>
+          <p:nvPr>
+            <p:extLst>
+              <p:ext uri="{D42A27DB-BD31-4B8C-83A1-F6EECF244321}">
+                <p14:modId xmlns:p14="http://schemas.microsoft.com/office/powerpoint/2010/main" val="1458148156"/>
+              </p:ext>
+            </p:extLst>
+          </p:nvPr>
+        </p:nvGraphicFramePr>
+        <p:xfrm>
+          <a:off x="5185871" y="4414029"/>
+          <a:ext cx="1546225" cy="2300287"/>
+        </p:xfrm>
+        <a:graphic>
+          <a:graphicData uri="http://schemas.openxmlformats.org/presentationml/2006/ole">
+            <mc:AlternateContent xmlns:mc="http://schemas.openxmlformats.org/markup-compatibility/2006">
+              <mc:Choice xmlns:v="urn:schemas-microsoft-com:vml" Requires="v">
+                <p:oleObj name="Prism 9" r:id="rId22" imgW="1951575" imgH="2906083" progId="Prism9.Document">
+                  <p:embed/>
+                </p:oleObj>
+              </mc:Choice>
+              <mc:Fallback>
+                <p:oleObj name="Prism 9" r:id="rId22" imgW="1951575" imgH="2906083" progId="Prism9.Document">
+                  <p:embed/>
+                  <p:pic>
+                    <p:nvPicPr>
+                      <p:cNvPr id="6" name="Object 5">
+                        <a:extLst>
+                          <a:ext uri="{FF2B5EF4-FFF2-40B4-BE49-F238E27FC236}">
+                            <a16:creationId xmlns:a16="http://schemas.microsoft.com/office/drawing/2014/main" id="{88F45B57-0089-ADE0-EDDE-5CD71BA6BDF2}"/>
+                          </a:ext>
+                        </a:extLst>
+                      </p:cNvPr>
+                      <p:cNvPicPr>
+                        <a:picLocks noChangeAspect="1" noChangeArrowheads="1"/>
+                      </p:cNvPicPr>
+                      <p:nvPr/>
+                    </p:nvPicPr>
+                    <p:blipFill>
+                      <a:blip r:embed="rId23"/>
+                      <a:srcRect/>
+                      <a:stretch>
+                        <a:fillRect/>
+                      </a:stretch>
+                    </p:blipFill>
+                    <p:spPr bwMode="auto">
+                      <a:xfrm>
+                        <a:off x="5185871" y="4414029"/>
+                        <a:ext cx="1546225" cy="2300287"/>
+                      </a:xfrm>
+                      <a:prstGeom prst="rect">
+                        <a:avLst/>
+                      </a:prstGeom>
+                      <a:noFill/>
+                    </p:spPr>
+                  </p:pic>
+                </p:oleObj>
+              </mc:Fallback>
+            </mc:AlternateContent>
+          </a:graphicData>
+        </a:graphic>
+      </p:graphicFrame>
     </p:spTree>
     <p:extLst>
       <p:ext uri="{BB962C8B-B14F-4D97-AF65-F5344CB8AC3E}">
